--- a/Ingles/presentacion graficos/Presentacion de ingles.pptx
+++ b/Ingles/presentacion graficos/Presentacion de ingles.pptx
@@ -118,6 +118,9 @@
   <p:extLst>
     <p:ext uri="{EFAFB233-063F-42B5-8137-9DF3F51BA10A}">
       <p15:sldGuideLst xmlns:p15="http://schemas.microsoft.com/office/powerpoint/2012/main"/>
+    </p:ext>
+    <p:ext uri="{2D200454-40CA-4A62-9FC3-DE9A4176ACB9}">
+      <p15:notesGuideLst xmlns:p15="http://schemas.microsoft.com/office/powerpoint/2012/main"/>
     </p:ext>
   </p:extLst>
 </p:presentation>
@@ -2909,7 +2912,7 @@
           <a:p>
             <a:fld id="{8DB93689-831A-4B42-9CA7-2A15087E20FD}" type="datetimeFigureOut">
               <a:rPr lang="es-ES" smtClean="0"/>
-              <a:t>07/04/2024</a:t>
+              <a:t>23/04/2024</a:t>
             </a:fld>
             <a:endParaRPr lang="es-ES"/>
           </a:p>
@@ -3086,7 +3089,7 @@
           <a:p>
             <a:fld id="{36351DA2-C8CB-4734-8EF8-E0AB0BE0BF4F}" type="datetimeFigureOut">
               <a:rPr lang="es-ES" smtClean="0"/>
-              <a:t>07/04/2024</a:t>
+              <a:t>23/04/2024</a:t>
             </a:fld>
             <a:endParaRPr lang="es-ES"/>
           </a:p>
@@ -3397,6 +3400,54 @@
           <a:bodyPr/>
           <a:lstStyle/>
           <a:p>
+            <a:r>
+              <a:rPr lang="en-US" dirty="0"/>
+              <a:t>[Slide 1: Introduction to </a:t>
+            </a:r>
+            <a:r>
+              <a:rPr lang="en-US" dirty="0" err="1"/>
+              <a:t>Quisaphic</a:t>
+            </a:r>
+            <a:r>
+              <a:rPr lang="en-US" dirty="0"/>
+              <a:t>]</a:t>
+            </a:r>
+          </a:p>
+          <a:p>
+            <a:r>
+              <a:rPr lang="en-US" dirty="0"/>
+              <a:t>Hi , my name is Jesús Lorenzo and Welcome to </a:t>
+            </a:r>
+            <a:r>
+              <a:rPr lang="en-US" dirty="0" err="1"/>
+              <a:t>Quisaphic</a:t>
+            </a:r>
+            <a:r>
+              <a:rPr lang="en-US" dirty="0"/>
+              <a:t>, where innovation meets imagination. We are not just a company; we are dream weavers, turning your wildest ideas into tangible realities. Our mantra? "Think it, Make it Happen! Turn your dreams into reality" Here at </a:t>
+            </a:r>
+            <a:r>
+              <a:rPr lang="en-US" dirty="0" err="1"/>
+              <a:t>Quisaphic</a:t>
+            </a:r>
+            <a:r>
+              <a:rPr lang="en-US" dirty="0"/>
+              <a:t>, we specialize in crafting cutting-edge graphic cards, delivering the future of visual technology to your fingertips. But that's not all – we are also your go-to destination for bringing your creative visions to life. Whether it's designing your dream graphic card or realizing a concept from inception to fruition, </a:t>
+            </a:r>
+            <a:r>
+              <a:rPr lang="en-US" dirty="0" err="1"/>
+              <a:t>Quisaphic</a:t>
+            </a:r>
+            <a:r>
+              <a:rPr lang="en-US" dirty="0"/>
+              <a:t> is your partner in innovation.</a:t>
+            </a:r>
+          </a:p>
+          <a:p>
+            <a:r>
+              <a:rPr lang="en-US" dirty="0"/>
+              <a:t>I will structure the presentation into three parts: firstly, I will address our offerings; secondly, I will outline our requirements; and finally, I will provide data concerning the company. So lets start</a:t>
+            </a:r>
             <a:endParaRPr lang="es-ES" dirty="0"/>
           </a:p>
         </p:txBody>
@@ -3418,6 +3469,427 @@
           <a:p>
             <a:fld id="{BCC14212-ADBB-4FF8-8AB2-A56CF354CBB8}" type="slidenum">
               <a:rPr lang="es-ES" smtClean="0"/>
+              <a:t>1</a:t>
+            </a:fld>
+            <a:endParaRPr lang="es-ES"/>
+          </a:p>
+        </p:txBody>
+      </p:sp>
+    </p:spTree>
+    <p:extLst>
+      <p:ext uri="{BB962C8B-B14F-4D97-AF65-F5344CB8AC3E}">
+        <p14:creationId xmlns:p14="http://schemas.microsoft.com/office/powerpoint/2010/main" val="1568680301"/>
+      </p:ext>
+    </p:extLst>
+  </p:cSld>
+  <p:clrMapOvr>
+    <a:masterClrMapping/>
+  </p:clrMapOvr>
+</p:notes>
+</file>
+
+<file path=ppt/notesSlides/notesSlide2.xml><?xml version="1.0" encoding="utf-8"?>
+<p:notes xmlns:a="http://schemas.openxmlformats.org/drawingml/2006/main" xmlns:r="http://schemas.openxmlformats.org/officeDocument/2006/relationships" xmlns:p="http://schemas.openxmlformats.org/presentationml/2006/main">
+  <p:cSld>
+    <p:spTree>
+      <p:nvGrpSpPr>
+        <p:cNvPr id="1" name=""/>
+        <p:cNvGrpSpPr/>
+        <p:nvPr/>
+      </p:nvGrpSpPr>
+      <p:grpSpPr>
+        <a:xfrm>
+          <a:off x="0" y="0"/>
+          <a:ext cx="0" cy="0"/>
+          <a:chOff x="0" y="0"/>
+          <a:chExt cx="0" cy="0"/>
+        </a:xfrm>
+      </p:grpSpPr>
+      <p:sp>
+        <p:nvSpPr>
+          <p:cNvPr id="2" name="Marcador de imagen de diapositiva 1"/>
+          <p:cNvSpPr>
+            <a:spLocks noGrp="1" noRot="1" noChangeAspect="1"/>
+          </p:cNvSpPr>
+          <p:nvPr>
+            <p:ph type="sldImg"/>
+          </p:nvPr>
+        </p:nvSpPr>
+        <p:spPr/>
+      </p:sp>
+      <p:sp>
+        <p:nvSpPr>
+          <p:cNvPr id="3" name="Marcador de notas 2"/>
+          <p:cNvSpPr>
+            <a:spLocks noGrp="1"/>
+          </p:cNvSpPr>
+          <p:nvPr>
+            <p:ph type="body" idx="1"/>
+          </p:nvPr>
+        </p:nvSpPr>
+        <p:spPr/>
+        <p:txBody>
+          <a:bodyPr/>
+          <a:lstStyle/>
+          <a:p>
+            <a:r>
+              <a:rPr lang="en-US" dirty="0"/>
+              <a:t>Allow me to present the compelling investment opportunity that </a:t>
+            </a:r>
+            <a:r>
+              <a:rPr lang="en-US" dirty="0" err="1"/>
+              <a:t>Quisaphic</a:t>
+            </a:r>
+            <a:r>
+              <a:rPr lang="en-US" dirty="0"/>
+              <a:t> offers:</a:t>
+            </a:r>
+          </a:p>
+          <a:p>
+            <a:r>
+              <a:rPr lang="en-US" dirty="0" err="1"/>
+              <a:t>Quisaphic</a:t>
+            </a:r>
+            <a:r>
+              <a:rPr lang="en-US" dirty="0"/>
+              <a:t> stands as a beacon of innovation and creativity, dedicated to revolutionizing the graphic technology landscape. Our vision is anchored on three fundamental pillars:</a:t>
+            </a:r>
+          </a:p>
+          <a:p>
+            <a:pPr>
+              <a:buFont typeface="+mj-lt"/>
+              <a:buAutoNum type="arabicPeriod"/>
+            </a:pPr>
+            <a:r>
+              <a:rPr lang="en-US" b="1" dirty="0"/>
+              <a:t>Graphic Cards of the Future</a:t>
+            </a:r>
+            <a:r>
+              <a:rPr lang="en-US" dirty="0"/>
+              <a:t>: </a:t>
+            </a:r>
+            <a:r>
+              <a:rPr lang="en-US" dirty="0" err="1"/>
+              <a:t>Quisaphic</a:t>
+            </a:r>
+            <a:r>
+              <a:rPr lang="en-US" dirty="0"/>
+              <a:t> is synonymous with cutting-edge graphic solutions that push the boundaries of what's possible. Our relentless pursuit of innovation ensures that our products not only meet but exceed the demands of tomorrow's technology landscape.</a:t>
+            </a:r>
+          </a:p>
+          <a:p>
+            <a:pPr>
+              <a:buFont typeface="+mj-lt"/>
+              <a:buAutoNum type="arabicPeriod"/>
+            </a:pPr>
+            <a:r>
+              <a:rPr lang="en-US" b="1" dirty="0"/>
+              <a:t>Rapid and Effective Technical Support</a:t>
+            </a:r>
+            <a:r>
+              <a:rPr lang="en-US" dirty="0"/>
+              <a:t>: In today's dynamic market, responsive technical support is paramount. </a:t>
+            </a:r>
+            <a:r>
+              <a:rPr lang="en-US" dirty="0" err="1"/>
+              <a:t>Quisaphic</a:t>
+            </a:r>
+            <a:r>
+              <a:rPr lang="en-US" dirty="0"/>
+              <a:t> prides itself on offering industry-leading support services, ensuring our customers experience unparalleled reliability and efficiency in their interactions with our products.</a:t>
+            </a:r>
+          </a:p>
+          <a:p>
+            <a:pPr>
+              <a:buFont typeface="+mj-lt"/>
+              <a:buAutoNum type="arabicPeriod"/>
+            </a:pPr>
+            <a:r>
+              <a:rPr lang="en-US" b="1" dirty="0"/>
+              <a:t>Dream Creators</a:t>
+            </a:r>
+            <a:r>
+              <a:rPr lang="en-US" dirty="0"/>
+              <a:t>: At </a:t>
+            </a:r>
+            <a:r>
+              <a:rPr lang="en-US" dirty="0" err="1"/>
+              <a:t>Quisaphic</a:t>
+            </a:r>
+            <a:r>
+              <a:rPr lang="en-US" dirty="0"/>
+              <a:t>, we don't just sell products; we empower dreams. Our collaborative approach fosters a creative ecosystem where individuals and businesses can turn their visionary ideas into reality. Whether it's custom solutions or innovative concepts, </a:t>
+            </a:r>
+            <a:r>
+              <a:rPr lang="en-US" dirty="0" err="1"/>
+              <a:t>Quisaphic</a:t>
+            </a:r>
+            <a:r>
+              <a:rPr lang="en-US" dirty="0"/>
+              <a:t> is committed to making dreams come true.</a:t>
+            </a:r>
+          </a:p>
+          <a:p>
+            <a:endParaRPr lang="es-ES" dirty="0"/>
+          </a:p>
+        </p:txBody>
+      </p:sp>
+      <p:sp>
+        <p:nvSpPr>
+          <p:cNvPr id="4" name="Marcador de número de diapositiva 3"/>
+          <p:cNvSpPr>
+            <a:spLocks noGrp="1"/>
+          </p:cNvSpPr>
+          <p:nvPr>
+            <p:ph type="sldNum" sz="quarter" idx="5"/>
+          </p:nvPr>
+        </p:nvSpPr>
+        <p:spPr/>
+        <p:txBody>
+          <a:bodyPr/>
+          <a:lstStyle/>
+          <a:p>
+            <a:fld id="{BCC14212-ADBB-4FF8-8AB2-A56CF354CBB8}" type="slidenum">
+              <a:rPr lang="es-ES" smtClean="0"/>
+              <a:t>2</a:t>
+            </a:fld>
+            <a:endParaRPr lang="es-ES"/>
+          </a:p>
+        </p:txBody>
+      </p:sp>
+    </p:spTree>
+    <p:extLst>
+      <p:ext uri="{BB962C8B-B14F-4D97-AF65-F5344CB8AC3E}">
+        <p14:creationId xmlns:p14="http://schemas.microsoft.com/office/powerpoint/2010/main" val="2798874633"/>
+      </p:ext>
+    </p:extLst>
+  </p:cSld>
+  <p:clrMapOvr>
+    <a:masterClrMapping/>
+  </p:clrMapOvr>
+</p:notes>
+</file>
+
+<file path=ppt/notesSlides/notesSlide3.xml><?xml version="1.0" encoding="utf-8"?>
+<p:notes xmlns:a="http://schemas.openxmlformats.org/drawingml/2006/main" xmlns:r="http://schemas.openxmlformats.org/officeDocument/2006/relationships" xmlns:p="http://schemas.openxmlformats.org/presentationml/2006/main">
+  <p:cSld>
+    <p:spTree>
+      <p:nvGrpSpPr>
+        <p:cNvPr id="1" name=""/>
+        <p:cNvGrpSpPr/>
+        <p:nvPr/>
+      </p:nvGrpSpPr>
+      <p:grpSpPr>
+        <a:xfrm>
+          <a:off x="0" y="0"/>
+          <a:ext cx="0" cy="0"/>
+          <a:chOff x="0" y="0"/>
+          <a:chExt cx="0" cy="0"/>
+        </a:xfrm>
+      </p:grpSpPr>
+      <p:sp>
+        <p:nvSpPr>
+          <p:cNvPr id="2" name="Marcador de imagen de diapositiva 1"/>
+          <p:cNvSpPr>
+            <a:spLocks noGrp="1" noRot="1" noChangeAspect="1"/>
+          </p:cNvSpPr>
+          <p:nvPr>
+            <p:ph type="sldImg"/>
+          </p:nvPr>
+        </p:nvSpPr>
+        <p:spPr/>
+      </p:sp>
+      <p:sp>
+        <p:nvSpPr>
+          <p:cNvPr id="3" name="Marcador de notas 2"/>
+          <p:cNvSpPr>
+            <a:spLocks noGrp="1"/>
+          </p:cNvSpPr>
+          <p:nvPr>
+            <p:ph type="body" idx="1"/>
+          </p:nvPr>
+        </p:nvSpPr>
+        <p:spPr/>
+        <p:txBody>
+          <a:bodyPr/>
+          <a:lstStyle/>
+          <a:p>
+            <a:r>
+              <a:rPr lang="en-US" dirty="0"/>
+              <a:t>Now, you may be wondering how you can be a part of this transformative journey. </a:t>
+            </a:r>
+            <a:r>
+              <a:rPr lang="en-US" dirty="0" err="1"/>
+              <a:t>Quisaphic</a:t>
+            </a:r>
+            <a:r>
+              <a:rPr lang="en-US" dirty="0"/>
+              <a:t> is seeking strategic investors who share our passion for innovation and are eager to contribute to shaping the future of graphic technology. With an investment of approximately €1,000,000, you will not only fuel </a:t>
+            </a:r>
+            <a:r>
+              <a:rPr lang="en-US" dirty="0" err="1"/>
+              <a:t>Quisaphic's</a:t>
+            </a:r>
+            <a:r>
+              <a:rPr lang="en-US" dirty="0"/>
+              <a:t> growth but also play a pivotal role in driving positive change within the industry.</a:t>
+            </a:r>
+          </a:p>
+          <a:p>
+            <a:r>
+              <a:rPr lang="en-US" dirty="0"/>
+              <a:t>It's important to recognize that investing in </a:t>
+            </a:r>
+            <a:r>
+              <a:rPr lang="en-US" dirty="0" err="1"/>
+              <a:t>Quisaphic</a:t>
+            </a:r>
+            <a:r>
+              <a:rPr lang="en-US" dirty="0"/>
+              <a:t> goes beyond financial support. It signifies a shared commitment to innovation, creativity, and the pursuit of excellence. Together, let's seize this opportunity to redefine what's possible in graphic technology and embark on a journey of collective success.</a:t>
+            </a:r>
+          </a:p>
+          <a:p>
+            <a:r>
+              <a:rPr lang="en-US" dirty="0"/>
+              <a:t>Thank you for considering </a:t>
+            </a:r>
+            <a:r>
+              <a:rPr lang="en-US" dirty="0" err="1"/>
+              <a:t>Quisaphic</a:t>
+            </a:r>
+            <a:r>
+              <a:rPr lang="en-US" dirty="0"/>
+              <a:t> as your investment partner. We are excited to collaborate with you as we turn visions into reality and shape the future of graphic technology.</a:t>
+            </a:r>
+          </a:p>
+        </p:txBody>
+      </p:sp>
+      <p:sp>
+        <p:nvSpPr>
+          <p:cNvPr id="4" name="Marcador de número de diapositiva 3"/>
+          <p:cNvSpPr>
+            <a:spLocks noGrp="1"/>
+          </p:cNvSpPr>
+          <p:nvPr>
+            <p:ph type="sldNum" sz="quarter" idx="5"/>
+          </p:nvPr>
+        </p:nvSpPr>
+        <p:spPr/>
+        <p:txBody>
+          <a:bodyPr/>
+          <a:lstStyle/>
+          <a:p>
+            <a:fld id="{BCC14212-ADBB-4FF8-8AB2-A56CF354CBB8}" type="slidenum">
+              <a:rPr lang="es-ES" smtClean="0"/>
+              <a:t>3</a:t>
+            </a:fld>
+            <a:endParaRPr lang="es-ES"/>
+          </a:p>
+        </p:txBody>
+      </p:sp>
+    </p:spTree>
+    <p:extLst>
+      <p:ext uri="{BB962C8B-B14F-4D97-AF65-F5344CB8AC3E}">
+        <p14:creationId xmlns:p14="http://schemas.microsoft.com/office/powerpoint/2010/main" val="1009128740"/>
+      </p:ext>
+    </p:extLst>
+  </p:cSld>
+  <p:clrMapOvr>
+    <a:masterClrMapping/>
+  </p:clrMapOvr>
+</p:notes>
+</file>
+
+<file path=ppt/notesSlides/notesSlide4.xml><?xml version="1.0" encoding="utf-8"?>
+<p:notes xmlns:a="http://schemas.openxmlformats.org/drawingml/2006/main" xmlns:r="http://schemas.openxmlformats.org/officeDocument/2006/relationships" xmlns:p="http://schemas.openxmlformats.org/presentationml/2006/main">
+  <p:cSld>
+    <p:spTree>
+      <p:nvGrpSpPr>
+        <p:cNvPr id="1" name=""/>
+        <p:cNvGrpSpPr/>
+        <p:nvPr/>
+      </p:nvGrpSpPr>
+      <p:grpSpPr>
+        <a:xfrm>
+          <a:off x="0" y="0"/>
+          <a:ext cx="0" cy="0"/>
+          <a:chOff x="0" y="0"/>
+          <a:chExt cx="0" cy="0"/>
+        </a:xfrm>
+      </p:grpSpPr>
+      <p:sp>
+        <p:nvSpPr>
+          <p:cNvPr id="2" name="Marcador de imagen de diapositiva 1"/>
+          <p:cNvSpPr>
+            <a:spLocks noGrp="1" noRot="1" noChangeAspect="1"/>
+          </p:cNvSpPr>
+          <p:nvPr>
+            <p:ph type="sldImg"/>
+          </p:nvPr>
+        </p:nvSpPr>
+        <p:spPr/>
+      </p:sp>
+      <p:sp>
+        <p:nvSpPr>
+          <p:cNvPr id="3" name="Marcador de notas 2"/>
+          <p:cNvSpPr>
+            <a:spLocks noGrp="1"/>
+          </p:cNvSpPr>
+          <p:nvPr>
+            <p:ph type="body" idx="1"/>
+          </p:nvPr>
+        </p:nvSpPr>
+        <p:spPr/>
+        <p:txBody>
+          <a:bodyPr/>
+          <a:lstStyle/>
+          <a:p>
+            <a:r>
+              <a:rPr lang="en-US" dirty="0"/>
+              <a:t>Let's delve deeper into our sales performance over the past two fiscal years. This analysis allows us to discern patterns, identify trends, and make informed strategic decisions moving forward. Here's a breakdown of our monthly sales figures:</a:t>
+            </a:r>
+          </a:p>
+          <a:p>
+            <a:r>
+              <a:rPr lang="en-US" b="1" dirty="0"/>
+              <a:t>Talk about numbers</a:t>
+            </a:r>
+          </a:p>
+          <a:p>
+            <a:r>
+              <a:rPr lang="en-US" dirty="0"/>
+              <a:t>This comprehensive analysis reveals several noteworthy insights. While some months experienced a decline in sales compared to the previous year, others showcased remarkable growth. For instance, March, June, and September of 2023 saw substantial increases, indicating potential areas of strength and opportunity within our product offerings. These fluctuations underscore the importance of agility and adaptability in response to market dynamics.</a:t>
+            </a:r>
+          </a:p>
+          <a:p>
+            <a:r>
+              <a:rPr lang="en-US" dirty="0"/>
+              <a:t>By meticulously examining these trends, we can refine our strategies, capitalize on emerging opportunities, and drive sustained growth in the competitive landscape.</a:t>
+            </a:r>
+          </a:p>
+          <a:p>
+            <a:endParaRPr lang="es-ES" dirty="0"/>
+          </a:p>
+        </p:txBody>
+      </p:sp>
+      <p:sp>
+        <p:nvSpPr>
+          <p:cNvPr id="4" name="Marcador de número de diapositiva 3"/>
+          <p:cNvSpPr>
+            <a:spLocks noGrp="1"/>
+          </p:cNvSpPr>
+          <p:nvPr>
+            <p:ph type="sldNum" sz="quarter" idx="5"/>
+          </p:nvPr>
+        </p:nvSpPr>
+        <p:spPr/>
+        <p:txBody>
+          <a:bodyPr/>
+          <a:lstStyle/>
+          <a:p>
+            <a:fld id="{BCC14212-ADBB-4FF8-8AB2-A56CF354CBB8}" type="slidenum">
+              <a:rPr lang="es-ES" smtClean="0"/>
               <a:t>4</a:t>
             </a:fld>
             <a:endParaRPr lang="es-ES"/>
@@ -3428,6 +3900,282 @@
     <p:extLst>
       <p:ext uri="{BB962C8B-B14F-4D97-AF65-F5344CB8AC3E}">
         <p14:creationId xmlns:p14="http://schemas.microsoft.com/office/powerpoint/2010/main" val="2350164123"/>
+      </p:ext>
+    </p:extLst>
+  </p:cSld>
+  <p:clrMapOvr>
+    <a:masterClrMapping/>
+  </p:clrMapOvr>
+</p:notes>
+</file>
+
+<file path=ppt/notesSlides/notesSlide5.xml><?xml version="1.0" encoding="utf-8"?>
+<p:notes xmlns:a="http://schemas.openxmlformats.org/drawingml/2006/main" xmlns:r="http://schemas.openxmlformats.org/officeDocument/2006/relationships" xmlns:p="http://schemas.openxmlformats.org/presentationml/2006/main">
+  <p:cSld>
+    <p:spTree>
+      <p:nvGrpSpPr>
+        <p:cNvPr id="1" name=""/>
+        <p:cNvGrpSpPr/>
+        <p:nvPr/>
+      </p:nvGrpSpPr>
+      <p:grpSpPr>
+        <a:xfrm>
+          <a:off x="0" y="0"/>
+          <a:ext cx="0" cy="0"/>
+          <a:chOff x="0" y="0"/>
+          <a:chExt cx="0" cy="0"/>
+        </a:xfrm>
+      </p:grpSpPr>
+      <p:sp>
+        <p:nvSpPr>
+          <p:cNvPr id="2" name="Marcador de imagen de diapositiva 1"/>
+          <p:cNvSpPr>
+            <a:spLocks noGrp="1" noRot="1" noChangeAspect="1"/>
+          </p:cNvSpPr>
+          <p:nvPr>
+            <p:ph type="sldImg"/>
+          </p:nvPr>
+        </p:nvSpPr>
+        <p:spPr/>
+      </p:sp>
+      <p:sp>
+        <p:nvSpPr>
+          <p:cNvPr id="3" name="Marcador de notas 2"/>
+          <p:cNvSpPr>
+            <a:spLocks noGrp="1"/>
+          </p:cNvSpPr>
+          <p:nvPr>
+            <p:ph type="body" idx="1"/>
+          </p:nvPr>
+        </p:nvSpPr>
+        <p:spPr/>
+        <p:txBody>
+          <a:bodyPr/>
+          <a:lstStyle/>
+          <a:p>
+            <a:r>
+              <a:rPr lang="en-US" dirty="0"/>
+              <a:t>Understanding our target audience is pivotal in shaping our marketing strategies and product development initiatives. Let's delve into the demographics of our customer base:</a:t>
+            </a:r>
+          </a:p>
+          <a:p>
+            <a:pPr>
+              <a:buFont typeface="Arial" panose="020B0604020202020204" pitchFamily="34" charset="0"/>
+              <a:buChar char="•"/>
+            </a:pPr>
+            <a:r>
+              <a:rPr lang="en-US" b="1" dirty="0"/>
+              <a:t>0-15 years</a:t>
+            </a:r>
+            <a:r>
+              <a:rPr lang="en-US" dirty="0"/>
+              <a:t>: Although not currently a significant portion of our customer demographic, this age group represents future potential consumers as technology adoption continues to proliferate among younger generations.</a:t>
+            </a:r>
+          </a:p>
+          <a:p>
+            <a:pPr>
+              <a:buFont typeface="Arial" panose="020B0604020202020204" pitchFamily="34" charset="0"/>
+              <a:buChar char="•"/>
+            </a:pPr>
+            <a:r>
+              <a:rPr lang="en-US" b="1" dirty="0"/>
+              <a:t>16-30 years</a:t>
+            </a:r>
+            <a:r>
+              <a:rPr lang="en-US" dirty="0"/>
+              <a:t>: This age bracket comprises 40% of our target audience, indicating a strong presence among tech-savvy millennials and Gen Z individuals who prioritize innovation and cutting-edge technology.</a:t>
+            </a:r>
+          </a:p>
+          <a:p>
+            <a:pPr>
+              <a:buFont typeface="Arial" panose="020B0604020202020204" pitchFamily="34" charset="0"/>
+              <a:buChar char="•"/>
+            </a:pPr>
+            <a:r>
+              <a:rPr lang="en-US" b="1" dirty="0"/>
+              <a:t>31-45 years</a:t>
+            </a:r>
+            <a:r>
+              <a:rPr lang="en-US" dirty="0"/>
+              <a:t>: Representing 30% of our audience, this demographic segment consists of individuals in their prime working years, likely seeking reliable and high-performance graphic solutions for professional or personal use.</a:t>
+            </a:r>
+          </a:p>
+          <a:p>
+            <a:pPr>
+              <a:buFont typeface="Arial" panose="020B0604020202020204" pitchFamily="34" charset="0"/>
+              <a:buChar char="•"/>
+            </a:pPr>
+            <a:r>
+              <a:rPr lang="en-US" b="1" dirty="0"/>
+              <a:t>46-60 years</a:t>
+            </a:r>
+            <a:r>
+              <a:rPr lang="en-US" dirty="0"/>
+              <a:t>: While accounting for 18% of our target audience, this segment signifies a growing interest among older demographics in adopting advanced graphic technology, potentially for leisure or creative pursuits.</a:t>
+            </a:r>
+          </a:p>
+          <a:p>
+            <a:pPr>
+              <a:buFont typeface="Arial" panose="020B0604020202020204" pitchFamily="34" charset="0"/>
+              <a:buChar char="•"/>
+            </a:pPr>
+            <a:r>
+              <a:rPr lang="en-US" b="1" dirty="0"/>
+              <a:t>Over 60 years</a:t>
+            </a:r>
+            <a:r>
+              <a:rPr lang="en-US" dirty="0"/>
+              <a:t>: Despite being the smallest segment at 12%, this demographic highlights a niche yet valuable market for our products, indicating a broader appeal beyond traditional age boundaries.</a:t>
+            </a:r>
+          </a:p>
+          <a:p>
+            <a:r>
+              <a:rPr lang="en-US" dirty="0"/>
+              <a:t>It's essential to note that while our primary customer base falls within the 16-45 age range, our technical support services cater to older demographics as well. This inclusive approach ensures that our products and services meet the diverse needs of our clientele, fostering customer satisfaction and loyalty across all age groups.</a:t>
+            </a:r>
+          </a:p>
+          <a:p>
+            <a:r>
+              <a:rPr lang="en-US" dirty="0"/>
+              <a:t>By understanding the demographics of our target audience, we can tailor our marketing campaigns, product features, and customer support services to resonate with their preferences and expectations. This strategic alignment enables us to effectively engage with our audience, drive brand loyalty, and sustain long-term growth in the competitive marketplace.</a:t>
+            </a:r>
+          </a:p>
+          <a:p>
+            <a:endParaRPr lang="es-ES" dirty="0"/>
+          </a:p>
+        </p:txBody>
+      </p:sp>
+      <p:sp>
+        <p:nvSpPr>
+          <p:cNvPr id="4" name="Marcador de número de diapositiva 3"/>
+          <p:cNvSpPr>
+            <a:spLocks noGrp="1"/>
+          </p:cNvSpPr>
+          <p:nvPr>
+            <p:ph type="sldNum" sz="quarter" idx="5"/>
+          </p:nvPr>
+        </p:nvSpPr>
+        <p:spPr/>
+        <p:txBody>
+          <a:bodyPr/>
+          <a:lstStyle/>
+          <a:p>
+            <a:fld id="{BCC14212-ADBB-4FF8-8AB2-A56CF354CBB8}" type="slidenum">
+              <a:rPr lang="es-ES" smtClean="0"/>
+              <a:t>5</a:t>
+            </a:fld>
+            <a:endParaRPr lang="es-ES"/>
+          </a:p>
+        </p:txBody>
+      </p:sp>
+    </p:spTree>
+    <p:extLst>
+      <p:ext uri="{BB962C8B-B14F-4D97-AF65-F5344CB8AC3E}">
+        <p14:creationId xmlns:p14="http://schemas.microsoft.com/office/powerpoint/2010/main" val="2897377937"/>
+      </p:ext>
+    </p:extLst>
+  </p:cSld>
+  <p:clrMapOvr>
+    <a:masterClrMapping/>
+  </p:clrMapOvr>
+</p:notes>
+</file>
+
+<file path=ppt/notesSlides/notesSlide6.xml><?xml version="1.0" encoding="utf-8"?>
+<p:notes xmlns:a="http://schemas.openxmlformats.org/drawingml/2006/main" xmlns:r="http://schemas.openxmlformats.org/officeDocument/2006/relationships" xmlns:p="http://schemas.openxmlformats.org/presentationml/2006/main">
+  <p:cSld>
+    <p:spTree>
+      <p:nvGrpSpPr>
+        <p:cNvPr id="1" name=""/>
+        <p:cNvGrpSpPr/>
+        <p:nvPr/>
+      </p:nvGrpSpPr>
+      <p:grpSpPr>
+        <a:xfrm>
+          <a:off x="0" y="0"/>
+          <a:ext cx="0" cy="0"/>
+          <a:chOff x="0" y="0"/>
+          <a:chExt cx="0" cy="0"/>
+        </a:xfrm>
+      </p:grpSpPr>
+      <p:sp>
+        <p:nvSpPr>
+          <p:cNvPr id="2" name="Marcador de imagen de diapositiva 1"/>
+          <p:cNvSpPr>
+            <a:spLocks noGrp="1" noRot="1" noChangeAspect="1"/>
+          </p:cNvSpPr>
+          <p:nvPr>
+            <p:ph type="sldImg"/>
+          </p:nvPr>
+        </p:nvSpPr>
+        <p:spPr/>
+      </p:sp>
+      <p:sp>
+        <p:nvSpPr>
+          <p:cNvPr id="3" name="Marcador de notas 2"/>
+          <p:cNvSpPr>
+            <a:spLocks noGrp="1"/>
+          </p:cNvSpPr>
+          <p:nvPr>
+            <p:ph type="body" idx="1"/>
+          </p:nvPr>
+        </p:nvSpPr>
+        <p:spPr/>
+        <p:txBody>
+          <a:bodyPr/>
+          <a:lstStyle/>
+          <a:p>
+            <a:r>
+              <a:rPr lang="en-US" dirty="0"/>
+              <a:t>In conclusion, </a:t>
+            </a:r>
+            <a:r>
+              <a:rPr lang="en-US" dirty="0" err="1"/>
+              <a:t>Quisaphic</a:t>
+            </a:r>
+            <a:r>
+              <a:rPr lang="en-US" dirty="0"/>
+              <a:t> is more than just a company – we're a beacon of innovation, creativity, and reliability. With your investment and support, we can continue to redefine the future of graphic technology and make dreams a reality. Thank you for considering </a:t>
+            </a:r>
+            <a:r>
+              <a:rPr lang="en-US" dirty="0" err="1"/>
+              <a:t>Quisaphic</a:t>
+            </a:r>
+            <a:r>
+              <a:rPr lang="en-US" dirty="0"/>
+              <a:t>. Together, let's think it and make it happen!</a:t>
+            </a:r>
+            <a:endParaRPr lang="es-ES" dirty="0"/>
+          </a:p>
+        </p:txBody>
+      </p:sp>
+      <p:sp>
+        <p:nvSpPr>
+          <p:cNvPr id="4" name="Marcador de número de diapositiva 3"/>
+          <p:cNvSpPr>
+            <a:spLocks noGrp="1"/>
+          </p:cNvSpPr>
+          <p:nvPr>
+            <p:ph type="sldNum" sz="quarter" idx="5"/>
+          </p:nvPr>
+        </p:nvSpPr>
+        <p:spPr/>
+        <p:txBody>
+          <a:bodyPr/>
+          <a:lstStyle/>
+          <a:p>
+            <a:fld id="{BCC14212-ADBB-4FF8-8AB2-A56CF354CBB8}" type="slidenum">
+              <a:rPr lang="es-ES" smtClean="0"/>
+              <a:t>6</a:t>
+            </a:fld>
+            <a:endParaRPr lang="es-ES"/>
+          </a:p>
+        </p:txBody>
+      </p:sp>
+    </p:spTree>
+    <p:extLst>
+      <p:ext uri="{BB962C8B-B14F-4D97-AF65-F5344CB8AC3E}">
+        <p14:creationId xmlns:p14="http://schemas.microsoft.com/office/powerpoint/2010/main" val="1248557184"/>
       </p:ext>
     </p:extLst>
   </p:cSld>
@@ -3584,7 +4332,7 @@
           <a:p>
             <a:fld id="{E28EC5BA-381A-415D-84C5-7F6EBEE3C086}" type="datetimeFigureOut">
               <a:rPr lang="es-ES" smtClean="0"/>
-              <a:t>07/04/2024</a:t>
+              <a:t>23/04/2024</a:t>
             </a:fld>
             <a:endParaRPr lang="es-ES"/>
           </a:p>
@@ -3782,7 +4530,7 @@
           <a:p>
             <a:fld id="{E28EC5BA-381A-415D-84C5-7F6EBEE3C086}" type="datetimeFigureOut">
               <a:rPr lang="es-ES" smtClean="0"/>
-              <a:t>07/04/2024</a:t>
+              <a:t>23/04/2024</a:t>
             </a:fld>
             <a:endParaRPr lang="es-ES"/>
           </a:p>
@@ -3990,7 +4738,7 @@
           <a:p>
             <a:fld id="{E28EC5BA-381A-415D-84C5-7F6EBEE3C086}" type="datetimeFigureOut">
               <a:rPr lang="es-ES" smtClean="0"/>
-              <a:t>07/04/2024</a:t>
+              <a:t>23/04/2024</a:t>
             </a:fld>
             <a:endParaRPr lang="es-ES"/>
           </a:p>
@@ -4188,7 +4936,7 @@
           <a:p>
             <a:fld id="{E28EC5BA-381A-415D-84C5-7F6EBEE3C086}" type="datetimeFigureOut">
               <a:rPr lang="es-ES" smtClean="0"/>
-              <a:t>07/04/2024</a:t>
+              <a:t>23/04/2024</a:t>
             </a:fld>
             <a:endParaRPr lang="es-ES"/>
           </a:p>
@@ -4463,7 +5211,7 @@
           <a:p>
             <a:fld id="{E28EC5BA-381A-415D-84C5-7F6EBEE3C086}" type="datetimeFigureOut">
               <a:rPr lang="es-ES" smtClean="0"/>
-              <a:t>07/04/2024</a:t>
+              <a:t>23/04/2024</a:t>
             </a:fld>
             <a:endParaRPr lang="es-ES"/>
           </a:p>
@@ -4728,7 +5476,7 @@
           <a:p>
             <a:fld id="{E28EC5BA-381A-415D-84C5-7F6EBEE3C086}" type="datetimeFigureOut">
               <a:rPr lang="es-ES" smtClean="0"/>
-              <a:t>07/04/2024</a:t>
+              <a:t>23/04/2024</a:t>
             </a:fld>
             <a:endParaRPr lang="es-ES"/>
           </a:p>
@@ -5140,7 +5888,7 @@
           <a:p>
             <a:fld id="{E28EC5BA-381A-415D-84C5-7F6EBEE3C086}" type="datetimeFigureOut">
               <a:rPr lang="es-ES" smtClean="0"/>
-              <a:t>07/04/2024</a:t>
+              <a:t>23/04/2024</a:t>
             </a:fld>
             <a:endParaRPr lang="es-ES"/>
           </a:p>
@@ -5281,7 +6029,7 @@
           <a:p>
             <a:fld id="{E28EC5BA-381A-415D-84C5-7F6EBEE3C086}" type="datetimeFigureOut">
               <a:rPr lang="es-ES" smtClean="0"/>
-              <a:t>07/04/2024</a:t>
+              <a:t>23/04/2024</a:t>
             </a:fld>
             <a:endParaRPr lang="es-ES"/>
           </a:p>
@@ -5394,7 +6142,7 @@
           <a:p>
             <a:fld id="{E28EC5BA-381A-415D-84C5-7F6EBEE3C086}" type="datetimeFigureOut">
               <a:rPr lang="es-ES" smtClean="0"/>
-              <a:t>07/04/2024</a:t>
+              <a:t>23/04/2024</a:t>
             </a:fld>
             <a:endParaRPr lang="es-ES"/>
           </a:p>
@@ -5705,7 +6453,7 @@
           <a:p>
             <a:fld id="{E28EC5BA-381A-415D-84C5-7F6EBEE3C086}" type="datetimeFigureOut">
               <a:rPr lang="es-ES" smtClean="0"/>
-              <a:t>07/04/2024</a:t>
+              <a:t>23/04/2024</a:t>
             </a:fld>
             <a:endParaRPr lang="es-ES"/>
           </a:p>
@@ -5993,7 +6741,7 @@
           <a:p>
             <a:fld id="{E28EC5BA-381A-415D-84C5-7F6EBEE3C086}" type="datetimeFigureOut">
               <a:rPr lang="es-ES" smtClean="0"/>
-              <a:t>07/04/2024</a:t>
+              <a:t>23/04/2024</a:t>
             </a:fld>
             <a:endParaRPr lang="es-ES"/>
           </a:p>
@@ -6256,7 +7004,7 @@
           <a:p>
             <a:fld id="{E28EC5BA-381A-415D-84C5-7F6EBEE3C086}" type="datetimeFigureOut">
               <a:rPr lang="es-ES" smtClean="0"/>
-              <a:t>07/04/2024</a:t>
+              <a:t>23/04/2024</a:t>
             </a:fld>
             <a:endParaRPr lang="es-ES"/>
           </a:p>
@@ -6688,7 +7436,7 @@
           <p:nvPr/>
         </p:nvPicPr>
         <p:blipFill>
-          <a:blip r:embed="rId2">
+          <a:blip r:embed="rId3">
             <a:extLst>
               <a:ext uri="{28A0092B-C50C-407E-A947-70E740481C1C}">
                 <a14:useLocalDpi xmlns:a14="http://schemas.microsoft.com/office/drawing/2010/main" val="0"/>
@@ -6975,7 +7723,7 @@
           <p:nvPr/>
         </p:nvPicPr>
         <p:blipFill>
-          <a:blip r:embed="rId2">
+          <a:blip r:embed="rId3">
             <a:extLst>
               <a:ext uri="{28A0092B-C50C-407E-A947-70E740481C1C}">
                 <a14:useLocalDpi xmlns:a14="http://schemas.microsoft.com/office/drawing/2010/main" val="0"/>
@@ -7139,13 +7887,13 @@
   <p:clrMapOvr>
     <a:masterClrMapping/>
   </p:clrMapOvr>
-  <mc:AlternateContent xmlns:mc="http://schemas.openxmlformats.org/markup-compatibility/2006">
-    <mc:Choice xmlns:p14="http://schemas.microsoft.com/office/powerpoint/2010/main" Requires="p14">
+  <mc:AlternateContent xmlns:mc="http://schemas.openxmlformats.org/markup-compatibility/2006" xmlns:p14="http://schemas.microsoft.com/office/powerpoint/2010/main">
+    <mc:Choice Requires="p14">
       <p:transition spd="med" p14:dur="700">
         <p:fade/>
       </p:transition>
     </mc:Choice>
-    <mc:Fallback>
+    <mc:Fallback xmlns="">
       <p:transition spd="med">
         <p:fade/>
       </p:transition>
@@ -7340,7 +8088,7 @@
           <p:nvPr/>
         </p:nvPicPr>
         <p:blipFill>
-          <a:blip r:embed="rId2">
+          <a:blip r:embed="rId3">
             <a:extLst>
               <a:ext uri="{28A0092B-C50C-407E-A947-70E740481C1C}">
                 <a14:useLocalDpi xmlns:a14="http://schemas.microsoft.com/office/drawing/2010/main" val="0"/>
@@ -7530,7 +8278,7 @@
           <p:nvPr/>
         </p:nvPicPr>
         <p:blipFill>
-          <a:blip r:embed="rId3">
+          <a:blip r:embed="rId4">
             <a:extLst>
               <a:ext uri="{28A0092B-C50C-407E-A947-70E740481C1C}">
                 <a14:useLocalDpi xmlns:a14="http://schemas.microsoft.com/office/drawing/2010/main" val="0"/>
@@ -7561,13 +8309,13 @@
   <p:clrMapOvr>
     <a:masterClrMapping/>
   </p:clrMapOvr>
-  <mc:AlternateContent xmlns:mc="http://schemas.openxmlformats.org/markup-compatibility/2006">
-    <mc:Choice xmlns:p14="http://schemas.microsoft.com/office/powerpoint/2010/main" Requires="p14">
+  <mc:AlternateContent xmlns:mc="http://schemas.openxmlformats.org/markup-compatibility/2006" xmlns:p14="http://schemas.microsoft.com/office/powerpoint/2010/main">
+    <mc:Choice Requires="p14">
       <p:transition spd="med" p14:dur="700">
         <p:fade/>
       </p:transition>
     </mc:Choice>
-    <mc:Fallback>
+    <mc:Fallback xmlns="">
       <p:transition spd="med">
         <p:fade/>
       </p:transition>
@@ -11824,13 +12572,13 @@
   <p:clrMapOvr>
     <a:masterClrMapping/>
   </p:clrMapOvr>
-  <mc:AlternateContent xmlns:mc="http://schemas.openxmlformats.org/markup-compatibility/2006">
-    <mc:Choice xmlns:p14="http://schemas.microsoft.com/office/powerpoint/2010/main" Requires="p14">
+  <mc:AlternateContent xmlns:mc="http://schemas.openxmlformats.org/markup-compatibility/2006" xmlns:p14="http://schemas.microsoft.com/office/powerpoint/2010/main">
+    <mc:Choice Requires="p14">
       <p:transition spd="med" p14:dur="700">
         <p:fade/>
       </p:transition>
     </mc:Choice>
-    <mc:Fallback>
+    <mc:Fallback xmlns="">
       <p:transition spd="med">
         <p:fade/>
       </p:transition>
@@ -12018,7 +12766,7 @@
         </p:xfrm>
         <a:graphic>
           <a:graphicData uri="http://schemas.openxmlformats.org/drawingml/2006/chart">
-            <c:chart xmlns:c="http://schemas.openxmlformats.org/drawingml/2006/chart" xmlns:r="http://schemas.openxmlformats.org/officeDocument/2006/relationships" r:id="rId2"/>
+            <c:chart xmlns:c="http://schemas.openxmlformats.org/drawingml/2006/chart" xmlns:r="http://schemas.openxmlformats.org/officeDocument/2006/relationships" r:id="rId3"/>
           </a:graphicData>
         </a:graphic>
       </p:graphicFrame>
@@ -12708,7 +13456,7 @@
       </p:graphicFrame>
       <p:sp>
         <p:nvSpPr>
-          <p:cNvPr id="2" name="Título 1">
+          <p:cNvPr id="2" name="Título 1" hidden="1">
             <a:extLst>
               <a:ext uri="{FF2B5EF4-FFF2-40B4-BE49-F238E27FC236}">
                 <a16:creationId xmlns:a16="http://schemas.microsoft.com/office/drawing/2014/main" id="{5B586784-9CD8-44A1-4F98-1EE71DB4CDEC}"/>
@@ -12763,13 +13511,13 @@
   <p:clrMapOvr>
     <a:masterClrMapping/>
   </p:clrMapOvr>
-  <mc:AlternateContent xmlns:mc="http://schemas.openxmlformats.org/markup-compatibility/2006">
-    <mc:Choice xmlns:p14="http://schemas.microsoft.com/office/powerpoint/2010/main" Requires="p14">
+  <mc:AlternateContent xmlns:mc="http://schemas.openxmlformats.org/markup-compatibility/2006" xmlns:p14="http://schemas.microsoft.com/office/powerpoint/2010/main">
+    <mc:Choice Requires="p14">
       <p:transition spd="med" p14:dur="700">
         <p:fade/>
       </p:transition>
     </mc:Choice>
-    <mc:Fallback>
+    <mc:Fallback xmlns="">
       <p:transition spd="med">
         <p:fade/>
       </p:transition>
@@ -12945,7 +13693,7 @@
           <p:nvPr/>
         </p:nvPicPr>
         <p:blipFill>
-          <a:blip r:embed="rId2">
+          <a:blip r:embed="rId3">
             <a:extLst>
               <a:ext uri="{28A0092B-C50C-407E-A947-70E740481C1C}">
                 <a14:useLocalDpi xmlns:a14="http://schemas.microsoft.com/office/drawing/2010/main" val="0"/>
@@ -13057,13 +13805,13 @@
   <p:clrMapOvr>
     <a:masterClrMapping/>
   </p:clrMapOvr>
-  <mc:AlternateContent xmlns:mc="http://schemas.openxmlformats.org/markup-compatibility/2006">
-    <mc:Choice xmlns:p14="http://schemas.microsoft.com/office/powerpoint/2010/main" Requires="p14">
+  <mc:AlternateContent xmlns:mc="http://schemas.openxmlformats.org/markup-compatibility/2006" xmlns:p14="http://schemas.microsoft.com/office/powerpoint/2010/main">
+    <mc:Choice Requires="p14">
       <p:transition spd="med" p14:dur="700">
         <p:fade/>
       </p:transition>
     </mc:Choice>
-    <mc:Fallback>
+    <mc:Fallback xmlns="">
       <p:transition spd="med">
         <p:fade/>
       </p:transition>
